--- a/HELP/架构设计图.pptx
+++ b/HELP/架构设计图.pptx
@@ -7563,6 +7563,49 @@
           </a:fontRef>
         </p:style>
       </p:cxnSp>
+      <p:cxnSp>
+        <p:nvCxnSpPr>
+          <p:cNvPr id="15" name="直接箭头连接符 14">
+            <a:extLst>
+              <a:ext uri="{FF2B5EF4-FFF2-40B4-BE49-F238E27FC236}">
+                <a16:creationId xmlns:a16="http://schemas.microsoft.com/office/drawing/2014/main" id="{143EEA18-4D09-497F-BFD4-65C4B45D537C}"/>
+              </a:ext>
+            </a:extLst>
+          </p:cNvPr>
+          <p:cNvCxnSpPr>
+            <a:stCxn id="40" idx="2"/>
+            <a:endCxn id="43" idx="0"/>
+          </p:cNvCxnSpPr>
+          <p:nvPr/>
+        </p:nvCxnSpPr>
+        <p:spPr>
+          <a:xfrm>
+            <a:off x="4840609" y="3483769"/>
+            <a:ext cx="3" cy="421481"/>
+          </a:xfrm>
+          <a:prstGeom prst="straightConnector1">
+            <a:avLst/>
+          </a:prstGeom>
+          <a:ln>
+            <a:headEnd type="triangle"/>
+            <a:tailEnd type="triangle"/>
+          </a:ln>
+        </p:spPr>
+        <p:style>
+          <a:lnRef idx="1">
+            <a:schemeClr val="dk1"/>
+          </a:lnRef>
+          <a:fillRef idx="0">
+            <a:schemeClr val="dk1"/>
+          </a:fillRef>
+          <a:effectRef idx="0">
+            <a:schemeClr val="dk1"/>
+          </a:effectRef>
+          <a:fontRef idx="minor">
+            <a:schemeClr val="tx1"/>
+          </a:fontRef>
+        </p:style>
+      </p:cxnSp>
     </p:spTree>
     <p:extLst>
       <p:ext uri="{BB962C8B-B14F-4D97-AF65-F5344CB8AC3E}">
